--- a/Poster/BacheprProjectPoster.pptx
+++ b/Poster/BacheprProjectPoster.pptx
@@ -147,6 +147,9 @@
         </p15:guide>
       </p15:sldGuideLst>
     </p:ext>
+    <p:ext uri="{2D200454-40CA-4A62-9FC3-DE9A4176ACB9}">
+      <p15:notesGuideLst xmlns:p15="http://schemas.microsoft.com/office/powerpoint/2012/main"/>
+    </p:ext>
   </p:extLst>
 </p:presentation>
 </file>
@@ -233,7 +236,7 @@
           <a:p>
             <a:fld id="{D2C444E8-8A47-DF46-B515-CED4ED3D553E}" type="datetimeFigureOut">
               <a:rPr lang="en-US" smtClean="0"/>
-              <a:t>6/23/23</a:t>
+              <a:t>6/27/23</a:t>
             </a:fld>
             <a:endParaRPr lang="en-US"/>
           </a:p>
@@ -4214,8 +4217,8 @@
             </p:nvSpPr>
             <p:spPr>
               <a:xfrm>
-                <a:off x="11374872" y="28047605"/>
-                <a:ext cx="8030150" cy="1653658"/>
+                <a:off x="11234989" y="28141884"/>
+                <a:ext cx="8030150" cy="1708416"/>
               </a:xfrm>
               <a:prstGeom prst="rect">
                 <a:avLst/>
@@ -4228,6 +4231,7 @@
               </a:bodyPr>
               <a:lstStyle/>
               <a:p>
+                <a:pPr/>
                 <a14:m>
                   <m:oMathPara xmlns:m="http://schemas.openxmlformats.org/officeDocument/2006/math">
                     <m:oMathParaPr>
@@ -4261,7 +4265,7 @@
                         <a:rPr lang="en-US" sz="3600" b="0" i="1" smtClean="0">
                           <a:latin typeface="Cambria Math" panose="02040503050406030204" pitchFamily="18" charset="0"/>
                         </a:rPr>
-                        <m:t>=</m:t>
+                        <m:t>= </m:t>
                       </m:r>
                       <m:nary>
                         <m:naryPr>
@@ -4286,7 +4290,13 @@
                             <a:rPr lang="en-US" sz="3600" b="0" i="1" smtClean="0">
                               <a:latin typeface="Cambria Math" panose="02040503050406030204" pitchFamily="18" charset="0"/>
                             </a:rPr>
-                            <m:t>=0</m:t>
+                            <m:t>=</m:t>
+                          </m:r>
+                          <m:r>
+                            <a:rPr lang="en-US" sz="3600" b="0" i="1" smtClean="0">
+                              <a:latin typeface="Cambria Math" panose="02040503050406030204" pitchFamily="18" charset="0"/>
+                            </a:rPr>
+                            <m:t>𝐴</m:t>
                           </m:r>
                         </m:sub>
                         <m:sup>
@@ -4294,13 +4304,7 @@
                             <a:rPr lang="en-US" sz="3600" b="0" i="1" smtClean="0">
                               <a:latin typeface="Cambria Math" panose="02040503050406030204" pitchFamily="18" charset="0"/>
                             </a:rPr>
-                            <m:t>𝑄</m:t>
-                          </m:r>
-                          <m:r>
-                            <a:rPr lang="en-US" sz="3600" b="0" i="1" smtClean="0">
-                              <a:latin typeface="Cambria Math" panose="02040503050406030204" pitchFamily="18" charset="0"/>
-                            </a:rPr>
-                            <m:t>−1</m:t>
+                            <m:t>𝐵</m:t>
                           </m:r>
                         </m:sup>
                         <m:e>
@@ -4308,7 +4312,7 @@
                             <a:rPr lang="en-US" sz="3600" b="0" i="1" smtClean="0">
                               <a:latin typeface="Cambria Math" panose="02040503050406030204" pitchFamily="18" charset="0"/>
                             </a:rPr>
-                            <m:t>h</m:t>
+                            <m:t>𝑥</m:t>
                           </m:r>
                           <m:d>
                             <m:dPr>
@@ -4331,7 +4335,7 @@
                             <a:rPr lang="en-US" sz="3600" b="0" i="1" smtClean="0">
                               <a:latin typeface="Cambria Math" panose="02040503050406030204" pitchFamily="18" charset="0"/>
                             </a:rPr>
-                            <m:t>𝑥</m:t>
+                            <m:t>h</m:t>
                           </m:r>
                           <m:d>
                             <m:dPr>
@@ -4372,30 +4376,7 @@
                             <a:rPr lang="en-US" sz="3600" b="0" i="1" smtClean="0">
                               <a:latin typeface="Cambria Math" panose="02040503050406030204" pitchFamily="18" charset="0"/>
                             </a:rPr>
-                            <m:t>h</m:t>
-                          </m:r>
-                          <m:d>
-                            <m:dPr>
-                              <m:ctrlPr>
-                                <a:rPr lang="en-US" sz="3600" b="0" i="1" smtClean="0">
-                                  <a:latin typeface="Cambria Math" panose="02040503050406030204" pitchFamily="18" charset="0"/>
-                                </a:rPr>
-                              </m:ctrlPr>
-                            </m:dPr>
-                            <m:e>
-                              <m:r>
-                                <a:rPr lang="en-US" sz="3600" b="0" i="1" smtClean="0">
-                                  <a:latin typeface="Cambria Math" panose="02040503050406030204" pitchFamily="18" charset="0"/>
-                                </a:rPr>
-                                <m:t>𝑘</m:t>
-                              </m:r>
-                            </m:e>
-                          </m:d>
-                          <m:r>
-                            <a:rPr lang="en-US" sz="3600" b="0" i="1" smtClean="0">
-                              <a:latin typeface="Cambria Math" panose="02040503050406030204" pitchFamily="18" charset="0"/>
-                            </a:rPr>
-                            <m:t>∗</m:t>
+                            <m:t>(</m:t>
                           </m:r>
                           <m:r>
                             <a:rPr lang="en-US" sz="3600" b="0" i="1" smtClean="0">
@@ -4407,7 +4388,19 @@
                             <a:rPr lang="en-US" sz="3600" b="0" i="1" smtClean="0">
                               <a:latin typeface="Cambria Math" panose="02040503050406030204" pitchFamily="18" charset="0"/>
                             </a:rPr>
-                            <m:t>(</m:t>
+                            <m:t>∗</m:t>
+                          </m:r>
+                          <m:r>
+                            <a:rPr lang="en-US" sz="3600" b="0" i="1" smtClean="0">
+                              <a:latin typeface="Cambria Math" panose="02040503050406030204" pitchFamily="18" charset="0"/>
+                            </a:rPr>
+                            <m:t>h</m:t>
+                          </m:r>
+                          <m:r>
+                            <a:rPr lang="en-US" sz="3600" b="0" i="1" smtClean="0">
+                              <a:latin typeface="Cambria Math" panose="02040503050406030204" pitchFamily="18" charset="0"/>
+                            </a:rPr>
+                            <m:t>)(</m:t>
                           </m:r>
                           <m:r>
                             <a:rPr lang="en-US" sz="3600" b="0" i="1" smtClean="0">
@@ -4448,8 +4441,8 @@
             </p:nvSpPr>
             <p:spPr>
               <a:xfrm>
-                <a:off x="11374872" y="28047605"/>
-                <a:ext cx="8030150" cy="1653658"/>
+                <a:off x="11234989" y="28141884"/>
+                <a:ext cx="8030150" cy="1708416"/>
               </a:xfrm>
               <a:prstGeom prst="rect">
                 <a:avLst/>
@@ -4457,7 +4450,7 @@
               <a:blipFill>
                 <a:blip r:embed="rId5"/>
                 <a:stretch>
-                  <a:fillRect l="-632" t="-105344" r="-790" b="-164885"/>
+                  <a:fillRect t="-101471" b="-154412"/>
                 </a:stretch>
               </a:blipFill>
             </p:spPr>
@@ -4515,8 +4508,8 @@
           </a:fontRef>
         </p:style>
       </p:cxnSp>
-      <mc:AlternateContent xmlns:mc="http://schemas.openxmlformats.org/markup-compatibility/2006">
-        <mc:Choice xmlns:a14="http://schemas.microsoft.com/office/drawing/2010/main" Requires="a14">
+      <mc:AlternateContent xmlns:mc="http://schemas.openxmlformats.org/markup-compatibility/2006" xmlns:a14="http://schemas.microsoft.com/office/drawing/2010/main">
+        <mc:Choice Requires="a14">
           <p:sp>
             <p:nvSpPr>
               <p:cNvPr id="17" name="TextBox 16">
@@ -4573,7 +4566,7 @@
             </p:txBody>
           </p:sp>
         </mc:Choice>
-        <mc:Fallback>
+        <mc:Fallback xmlns="">
           <p:sp>
             <p:nvSpPr>
               <p:cNvPr id="17" name="TextBox 16">
@@ -4618,8 +4611,8 @@
           </p:sp>
         </mc:Fallback>
       </mc:AlternateContent>
-      <mc:AlternateContent xmlns:mc="http://schemas.openxmlformats.org/markup-compatibility/2006">
-        <mc:Choice xmlns:a14="http://schemas.microsoft.com/office/drawing/2010/main" Requires="a14">
+      <mc:AlternateContent xmlns:mc="http://schemas.openxmlformats.org/markup-compatibility/2006" xmlns:a14="http://schemas.microsoft.com/office/drawing/2010/main">
+        <mc:Choice Requires="a14">
           <p:sp>
             <p:nvSpPr>
               <p:cNvPr id="18" name="TextBox 17">
@@ -4674,7 +4667,7 @@
             </p:txBody>
           </p:sp>
         </mc:Choice>
-        <mc:Fallback>
+        <mc:Fallback xmlns="">
           <p:sp>
             <p:nvSpPr>
               <p:cNvPr id="18" name="TextBox 17">
@@ -5654,8 +5647,8 @@
           </a:prstGeom>
         </p:spPr>
       </p:pic>
-      <mc:AlternateContent xmlns:mc="http://schemas.openxmlformats.org/markup-compatibility/2006">
-        <mc:Choice xmlns:a14="http://schemas.microsoft.com/office/drawing/2010/main" Requires="a14">
+      <mc:AlternateContent xmlns:mc="http://schemas.openxmlformats.org/markup-compatibility/2006" xmlns:a14="http://schemas.microsoft.com/office/drawing/2010/main">
+        <mc:Choice Requires="a14">
           <p:sp>
             <p:nvSpPr>
               <p:cNvPr id="102" name="TextBox 101">
@@ -5714,7 +5707,7 @@
             </p:txBody>
           </p:sp>
         </mc:Choice>
-        <mc:Fallback>
+        <mc:Fallback xmlns="">
           <p:sp>
             <p:nvSpPr>
               <p:cNvPr id="102" name="TextBox 101">
